--- a/doc/XXL-REGISTRY架构图.pptx
+++ b/doc/XXL-REGISTRY架构图.pptx
@@ -197,7 +197,7 @@
           <a:p>
             <a:fld id="{D2A48B96-639E-45A3-A0BA-2464DFDB1FAA}" type="datetimeFigureOut">
               <a:rPr lang="zh-CN" altLang="en-US" smtClean="0"/>
-              <a:t>2018/11/30</a:t>
+              <a:t>2018/12/21</a:t>
             </a:fld>
             <a:endParaRPr lang="zh-CN" altLang="en-US"/>
           </a:p>
@@ -680,7 +680,7 @@
           <a:p>
             <a:fld id="{D997B5FA-0921-464F-AAE1-844C04324D75}" type="datetimeFigureOut">
               <a:rPr lang="zh-CN" altLang="en-US" smtClean="0"/>
-              <a:t>2018/11/30</a:t>
+              <a:t>2018/12/21</a:t>
             </a:fld>
             <a:endParaRPr lang="zh-CN" altLang="en-US"/>
           </a:p>
@@ -845,7 +845,7 @@
           <a:p>
             <a:fld id="{D997B5FA-0921-464F-AAE1-844C04324D75}" type="datetimeFigureOut">
               <a:rPr lang="zh-CN" altLang="en-US" smtClean="0"/>
-              <a:t>2018/11/30</a:t>
+              <a:t>2018/12/21</a:t>
             </a:fld>
             <a:endParaRPr lang="zh-CN" altLang="en-US"/>
           </a:p>
@@ -1020,7 +1020,7 @@
           <a:p>
             <a:fld id="{D997B5FA-0921-464F-AAE1-844C04324D75}" type="datetimeFigureOut">
               <a:rPr lang="zh-CN" altLang="en-US" smtClean="0"/>
-              <a:t>2018/11/30</a:t>
+              <a:t>2018/12/21</a:t>
             </a:fld>
             <a:endParaRPr lang="zh-CN" altLang="en-US"/>
           </a:p>
@@ -1185,7 +1185,7 @@
           <a:p>
             <a:fld id="{D997B5FA-0921-464F-AAE1-844C04324D75}" type="datetimeFigureOut">
               <a:rPr lang="zh-CN" altLang="en-US" smtClean="0"/>
-              <a:t>2018/11/30</a:t>
+              <a:t>2018/12/21</a:t>
             </a:fld>
             <a:endParaRPr lang="zh-CN" altLang="en-US"/>
           </a:p>
@@ -1426,7 +1426,7 @@
           <a:p>
             <a:fld id="{D997B5FA-0921-464F-AAE1-844C04324D75}" type="datetimeFigureOut">
               <a:rPr lang="zh-CN" altLang="en-US" smtClean="0"/>
-              <a:t>2018/11/30</a:t>
+              <a:t>2018/12/21</a:t>
             </a:fld>
             <a:endParaRPr lang="zh-CN" altLang="en-US"/>
           </a:p>
@@ -1653,7 +1653,7 @@
           <a:p>
             <a:fld id="{D997B5FA-0921-464F-AAE1-844C04324D75}" type="datetimeFigureOut">
               <a:rPr lang="zh-CN" altLang="en-US" smtClean="0"/>
-              <a:t>2018/11/30</a:t>
+              <a:t>2018/12/21</a:t>
             </a:fld>
             <a:endParaRPr lang="zh-CN" altLang="en-US"/>
           </a:p>
@@ -2015,7 +2015,7 @@
           <a:p>
             <a:fld id="{D997B5FA-0921-464F-AAE1-844C04324D75}" type="datetimeFigureOut">
               <a:rPr lang="zh-CN" altLang="en-US" smtClean="0"/>
-              <a:t>2018/11/30</a:t>
+              <a:t>2018/12/21</a:t>
             </a:fld>
             <a:endParaRPr lang="zh-CN" altLang="en-US"/>
           </a:p>
@@ -2128,7 +2128,7 @@
           <a:p>
             <a:fld id="{D997B5FA-0921-464F-AAE1-844C04324D75}" type="datetimeFigureOut">
               <a:rPr lang="zh-CN" altLang="en-US" smtClean="0"/>
-              <a:t>2018/11/30</a:t>
+              <a:t>2018/12/21</a:t>
             </a:fld>
             <a:endParaRPr lang="zh-CN" altLang="en-US"/>
           </a:p>
@@ -2218,7 +2218,7 @@
           <a:p>
             <a:fld id="{D997B5FA-0921-464F-AAE1-844C04324D75}" type="datetimeFigureOut">
               <a:rPr lang="zh-CN" altLang="en-US" smtClean="0"/>
-              <a:t>2018/11/30</a:t>
+              <a:t>2018/12/21</a:t>
             </a:fld>
             <a:endParaRPr lang="zh-CN" altLang="en-US"/>
           </a:p>
@@ -2490,7 +2490,7 @@
           <a:p>
             <a:fld id="{D997B5FA-0921-464F-AAE1-844C04324D75}" type="datetimeFigureOut">
               <a:rPr lang="zh-CN" altLang="en-US" smtClean="0"/>
-              <a:t>2018/11/30</a:t>
+              <a:t>2018/12/21</a:t>
             </a:fld>
             <a:endParaRPr lang="zh-CN" altLang="en-US"/>
           </a:p>
@@ -2738,7 +2738,7 @@
           <a:p>
             <a:fld id="{D997B5FA-0921-464F-AAE1-844C04324D75}" type="datetimeFigureOut">
               <a:rPr lang="zh-CN" altLang="en-US" smtClean="0"/>
-              <a:t>2018/11/30</a:t>
+              <a:t>2018/12/21</a:t>
             </a:fld>
             <a:endParaRPr lang="zh-CN" altLang="en-US"/>
           </a:p>
@@ -2946,7 +2946,7 @@
           <a:p>
             <a:fld id="{D997B5FA-0921-464F-AAE1-844C04324D75}" type="datetimeFigureOut">
               <a:rPr lang="zh-CN" altLang="en-US" smtClean="0"/>
-              <a:t>2018/11/30</a:t>
+              <a:t>2018/12/21</a:t>
             </a:fld>
             <a:endParaRPr lang="zh-CN" altLang="en-US"/>
           </a:p>
@@ -4040,29 +4040,7 @@
                 <a:ea typeface="Microsoft YaHei" charset="0"/>
                 <a:cs typeface="Microsoft YaHei" charset="0"/>
               </a:rPr>
-              <a:t>(</a:t>
-            </a:r>
-            <a:r>
-              <a:rPr kumimoji="1" lang="en-US" altLang="zh-CN" kern="0" dirty="0" smtClean="0">
-                <a:solidFill>
-                  <a:prstClr val="black"/>
-                </a:solidFill>
-                <a:latin typeface="Microsoft YaHei" charset="0"/>
-                <a:ea typeface="Microsoft YaHei" charset="0"/>
-                <a:cs typeface="Microsoft YaHei" charset="0"/>
-              </a:rPr>
-              <a:t>xxl-rpc</a:t>
-            </a:r>
-            <a:r>
-              <a:rPr kumimoji="1" lang="en-US" altLang="zh-CN" kern="0" dirty="0" smtClean="0">
-                <a:solidFill>
-                  <a:prstClr val="black"/>
-                </a:solidFill>
-                <a:latin typeface="Microsoft YaHei" charset="0"/>
-                <a:ea typeface="Microsoft YaHei" charset="0"/>
-                <a:cs typeface="Microsoft YaHei" charset="0"/>
-              </a:rPr>
-              <a:t>)</a:t>
+              <a:t>(xxl-rpc)</a:t>
             </a:r>
             <a:endParaRPr kumimoji="1" lang="zh-CN" altLang="en-US" kern="0" dirty="0">
               <a:solidFill>
@@ -4119,6 +4097,17 @@
               <a:defRPr/>
             </a:pPr>
             <a:r>
+              <a:rPr kumimoji="1" lang="en-US" altLang="zh-CN" kern="0" dirty="0">
+                <a:solidFill>
+                  <a:prstClr val="black"/>
+                </a:solidFill>
+                <a:latin typeface="Microsoft YaHei" charset="0"/>
+                <a:ea typeface="Microsoft YaHei" charset="0"/>
+                <a:cs typeface="Microsoft YaHei" charset="0"/>
+              </a:rPr>
+              <a:t>a</a:t>
+            </a:r>
+            <a:r>
               <a:rPr kumimoji="1" lang="en-US" altLang="zh-CN" kern="0" dirty="0" smtClean="0">
                 <a:solidFill>
                   <a:prstClr val="black"/>
@@ -4127,8 +4116,16 @@
                 <a:ea typeface="Microsoft YaHei" charset="0"/>
                 <a:cs typeface="Microsoft YaHei" charset="0"/>
               </a:rPr>
-              <a:t>App</a:t>
-            </a:r>
+              <a:t>pp</a:t>
+            </a:r>
+            <a:endParaRPr kumimoji="1" lang="en-US" altLang="zh-CN" kern="0" dirty="0" smtClean="0">
+              <a:solidFill>
+                <a:prstClr val="black"/>
+              </a:solidFill>
+              <a:latin typeface="Microsoft YaHei" charset="0"/>
+              <a:ea typeface="Microsoft YaHei" charset="0"/>
+              <a:cs typeface="Microsoft YaHei" charset="0"/>
+            </a:endParaRPr>
           </a:p>
           <a:p>
             <a:pPr algn="ctr" defTabSz="1219170" eaLnBrk="0" fontAlgn="base" hangingPunct="0">
@@ -4521,15 +4518,7 @@
                 <a:ea typeface="Microsoft YaHei" charset="0"/>
                 <a:cs typeface="Microsoft YaHei" charset="0"/>
               </a:rPr>
-              <a:t>r</a:t>
-            </a:r>
-            <a:r>
-              <a:rPr kumimoji="1" lang="en-US" altLang="zh-CN" smtClean="0">
-                <a:latin typeface="Microsoft YaHei" charset="0"/>
-                <a:ea typeface="Microsoft YaHei" charset="0"/>
-                <a:cs typeface="Microsoft YaHei" charset="0"/>
-              </a:rPr>
-              <a:t>egistry</a:t>
+              <a:t>registry</a:t>
             </a:r>
             <a:endParaRPr kumimoji="1" lang="en-US" altLang="zh-CN" dirty="0" smtClean="0">
               <a:latin typeface="Microsoft YaHei" charset="0"/>
